--- a/19 Б и КЧ деревья.pptx
+++ b/19 Б и КЧ деревья.pptx
@@ -320,7 +320,7 @@
               <a:pPr>
                 <a:defRPr/>
               </a:pPr>
-              <a:t>05.03.2019</a:t>
+              <a:t>19.03.2020</a:t>
             </a:fld>
             <a:endParaRPr lang="ru-RU"/>
           </a:p>
@@ -3675,7 +3675,7 @@
               <a:pPr>
                 <a:defRPr/>
               </a:pPr>
-              <a:t>05.03.2019</a:t>
+              <a:t>19.03.2020</a:t>
             </a:fld>
             <a:endParaRPr lang="ru-RU"/>
           </a:p>
@@ -3860,7 +3860,7 @@
               <a:pPr>
                 <a:defRPr/>
               </a:pPr>
-              <a:t>05.03.2019</a:t>
+              <a:t>19.03.2020</a:t>
             </a:fld>
             <a:endParaRPr lang="ru-RU"/>
           </a:p>
@@ -4055,7 +4055,7 @@
               <a:pPr>
                 <a:defRPr/>
               </a:pPr>
-              <a:t>05.03.2019</a:t>
+              <a:t>19.03.2020</a:t>
             </a:fld>
             <a:endParaRPr lang="ru-RU"/>
           </a:p>
@@ -4240,7 +4240,7 @@
               <a:pPr>
                 <a:defRPr/>
               </a:pPr>
-              <a:t>05.03.2019</a:t>
+              <a:t>19.03.2020</a:t>
             </a:fld>
             <a:endParaRPr lang="ru-RU"/>
           </a:p>
@@ -4501,7 +4501,7 @@
               <a:pPr>
                 <a:defRPr/>
               </a:pPr>
-              <a:t>05.03.2019</a:t>
+              <a:t>19.03.2020</a:t>
             </a:fld>
             <a:endParaRPr lang="ru-RU"/>
           </a:p>
@@ -4804,7 +4804,7 @@
               <a:pPr>
                 <a:defRPr/>
               </a:pPr>
-              <a:t>05.03.2019</a:t>
+              <a:t>19.03.2020</a:t>
             </a:fld>
             <a:endParaRPr lang="ru-RU"/>
           </a:p>
@@ -5241,7 +5241,7 @@
               <a:pPr>
                 <a:defRPr/>
               </a:pPr>
-              <a:t>05.03.2019</a:t>
+              <a:t>19.03.2020</a:t>
             </a:fld>
             <a:endParaRPr lang="ru-RU"/>
           </a:p>
@@ -5374,7 +5374,7 @@
               <a:pPr>
                 <a:defRPr/>
               </a:pPr>
-              <a:t>05.03.2019</a:t>
+              <a:t>19.03.2020</a:t>
             </a:fld>
             <a:endParaRPr lang="ru-RU"/>
           </a:p>
@@ -5484,7 +5484,7 @@
               <a:pPr>
                 <a:defRPr/>
               </a:pPr>
-              <a:t>05.03.2019</a:t>
+              <a:t>19.03.2020</a:t>
             </a:fld>
             <a:endParaRPr lang="ru-RU"/>
           </a:p>
@@ -5776,7 +5776,7 @@
               <a:pPr>
                 <a:defRPr/>
               </a:pPr>
-              <a:t>05.03.2019</a:t>
+              <a:t>19.03.2020</a:t>
             </a:fld>
             <a:endParaRPr lang="ru-RU"/>
           </a:p>
@@ -6044,7 +6044,7 @@
               <a:pPr>
                 <a:defRPr/>
               </a:pPr>
-              <a:t>05.03.2019</a:t>
+              <a:t>19.03.2020</a:t>
             </a:fld>
             <a:endParaRPr lang="ru-RU"/>
           </a:p>
@@ -6272,7 +6272,7 @@
               <a:pPr>
                 <a:defRPr/>
               </a:pPr>
-              <a:t>05.03.2019</a:t>
+              <a:t>19.03.2020</a:t>
             </a:fld>
             <a:endParaRPr lang="ru-RU"/>
           </a:p>
@@ -9341,7 +9341,7 @@
         </p:spPr>
         <p:txBody>
           <a:bodyPr>
-            <a:normAutofit fontScale="92500" lnSpcReduction="10000"/>
+            <a:normAutofit fontScale="85000" lnSpcReduction="20000"/>
           </a:bodyPr>
           <a:lstStyle/>
           <a:p>
@@ -10163,7 +10163,7 @@
         </p:spPr>
         <p:txBody>
           <a:bodyPr>
-            <a:normAutofit fontScale="92500" lnSpcReduction="10000"/>
+            <a:normAutofit fontScale="85000" lnSpcReduction="20000"/>
           </a:bodyPr>
           <a:lstStyle/>
           <a:p>
@@ -10529,7 +10529,7 @@
               <a:t>nonFull</a:t>
             </a:r>
             <a:r>
-              <a:rPr lang="en-US" sz="1900" dirty="0">
+              <a:rPr lang="en-US" sz="1900" dirty="0" smtClean="0">
                 <a:solidFill>
                   <a:srgbClr val="000000"/>
                 </a:solidFill>
@@ -10543,14 +10543,160 @@
               <a:buNone/>
             </a:pPr>
             <a:r>
-              <a:rPr lang="ru-RU" sz="1900" dirty="0">
+              <a:rPr lang="en-US" sz="1900" dirty="0">
                 <a:solidFill>
                   <a:srgbClr val="000000"/>
                 </a:solidFill>
                 <a:latin typeface="Consolas" panose="020B0609020204030204" pitchFamily="49" charset="0"/>
               </a:rPr>
+              <a:t> </a:t>
+            </a:r>
+            <a:r>
+              <a:rPr lang="en-US" sz="1900" dirty="0" smtClean="0">
+                <a:solidFill>
+                  <a:srgbClr val="000000"/>
+                </a:solidFill>
+                <a:latin typeface="Consolas" panose="020B0609020204030204" pitchFamily="49" charset="0"/>
+              </a:rPr>
+              <a:t>   </a:t>
+            </a:r>
+            <a:r>
+              <a:rPr lang="en-US" sz="1900" dirty="0" smtClean="0">
+                <a:solidFill>
+                  <a:srgbClr val="0000FF"/>
+                </a:solidFill>
+                <a:latin typeface="Consolas" panose="020B0609020204030204" pitchFamily="49" charset="0"/>
+              </a:rPr>
+              <a:t>else </a:t>
+            </a:r>
+            <a:r>
+              <a:rPr lang="en-US" sz="1900" dirty="0">
+                <a:solidFill>
+                  <a:srgbClr val="000000"/>
+                </a:solidFill>
+                <a:latin typeface="Consolas" panose="020B0609020204030204" pitchFamily="49" charset="0"/>
+              </a:rPr>
+              <a:t>{</a:t>
+            </a:r>
+          </a:p>
+          <a:p>
+            <a:pPr marL="0" indent="0">
+              <a:buNone/>
+            </a:pPr>
+            <a:r>
+              <a:rPr lang="en-US" sz="1900" dirty="0">
+                <a:solidFill>
+                  <a:srgbClr val="000000"/>
+                </a:solidFill>
+                <a:latin typeface="Consolas" panose="020B0609020204030204" pitchFamily="49" charset="0"/>
+              </a:rPr>
+              <a:t> </a:t>
+            </a:r>
+            <a:r>
+              <a:rPr lang="en-US" sz="1900" dirty="0">
+                <a:solidFill>
+                  <a:srgbClr val="000000"/>
+                </a:solidFill>
+                <a:latin typeface="Consolas" panose="020B0609020204030204" pitchFamily="49" charset="0"/>
+              </a:rPr>
+              <a:t>       </a:t>
+            </a:r>
+            <a:r>
+              <a:rPr lang="en-US" sz="1900" dirty="0" err="1">
+                <a:solidFill>
+                  <a:srgbClr val="000000"/>
+                </a:solidFill>
+                <a:latin typeface="Consolas" panose="020B0609020204030204" pitchFamily="49" charset="0"/>
+              </a:rPr>
+              <a:t>nonFull</a:t>
+            </a:r>
+            <a:r>
+              <a:rPr lang="en-US" sz="1900" dirty="0">
+                <a:solidFill>
+                  <a:srgbClr val="000000"/>
+                </a:solidFill>
+                <a:latin typeface="Consolas" panose="020B0609020204030204" pitchFamily="49" charset="0"/>
+              </a:rPr>
+              <a:t>-&gt;child[0] = NULL;</a:t>
+            </a:r>
+            <a:endParaRPr lang="en-US" sz="1900" dirty="0">
+              <a:solidFill>
+                <a:srgbClr val="000000"/>
+              </a:solidFill>
+              <a:latin typeface="Consolas" panose="020B0609020204030204" pitchFamily="49" charset="0"/>
+            </a:endParaRPr>
+          </a:p>
+          <a:p>
+            <a:pPr marL="0" indent="0">
+              <a:buNone/>
+            </a:pPr>
+            <a:r>
+              <a:rPr lang="en-US" sz="1900" dirty="0" smtClean="0">
+                <a:solidFill>
+                  <a:srgbClr val="000000"/>
+                </a:solidFill>
+                <a:latin typeface="Consolas" panose="020B0609020204030204" pitchFamily="49" charset="0"/>
+              </a:rPr>
+              <a:t>        Destroy(</a:t>
+            </a:r>
+            <a:r>
+              <a:rPr lang="en-US" sz="1900" dirty="0" err="1" smtClean="0">
+                <a:solidFill>
+                  <a:srgbClr val="000000"/>
+                </a:solidFill>
+                <a:latin typeface="Consolas" panose="020B0609020204030204" pitchFamily="49" charset="0"/>
+              </a:rPr>
+              <a:t>nonFull</a:t>
+            </a:r>
+            <a:r>
+              <a:rPr lang="en-US" sz="1900" dirty="0" smtClean="0">
+                <a:solidFill>
+                  <a:srgbClr val="000000"/>
+                </a:solidFill>
+                <a:latin typeface="Consolas" panose="020B0609020204030204" pitchFamily="49" charset="0"/>
+              </a:rPr>
+              <a:t>);</a:t>
+            </a:r>
+          </a:p>
+          <a:p>
+            <a:pPr marL="0" indent="0">
+              <a:buNone/>
+            </a:pPr>
+            <a:r>
+              <a:rPr lang="en-US" sz="1900" dirty="0" smtClean="0">
+                <a:solidFill>
+                  <a:srgbClr val="000000"/>
+                </a:solidFill>
+                <a:latin typeface="Consolas" panose="020B0609020204030204" pitchFamily="49" charset="0"/>
+              </a:rPr>
+              <a:t>    }</a:t>
+            </a:r>
+            <a:endParaRPr lang="en-US" sz="1900" dirty="0" smtClean="0">
+              <a:solidFill>
+                <a:srgbClr val="000000"/>
+              </a:solidFill>
+              <a:latin typeface="Consolas" panose="020B0609020204030204" pitchFamily="49" charset="0"/>
+            </a:endParaRPr>
+          </a:p>
+          <a:p>
+            <a:pPr marL="0" indent="0">
+              <a:buNone/>
+            </a:pPr>
+            <a:r>
+              <a:rPr lang="ru-RU" sz="1900" dirty="0" smtClean="0">
+                <a:solidFill>
+                  <a:srgbClr val="000000"/>
+                </a:solidFill>
+                <a:latin typeface="Consolas" panose="020B0609020204030204" pitchFamily="49" charset="0"/>
+              </a:rPr>
               <a:t>}</a:t>
             </a:r>
+            <a:endParaRPr lang="ru-RU" sz="1900" dirty="0">
+              <a:solidFill>
+                <a:srgbClr val="000000"/>
+              </a:solidFill>
+              <a:latin typeface="Consolas" panose="020B0609020204030204" pitchFamily="49" charset="0"/>
+            </a:endParaRPr>
           </a:p>
           <a:p>
             <a:pPr marL="0" indent="0">
@@ -12952,9 +13098,47 @@
           <a:p>
             <a:r>
               <a:rPr lang="ru-RU" sz="6600" dirty="0" smtClean="0"/>
-              <a:t>Проверял ссылку 28.02.19</a:t>
-            </a:r>
-            <a:endParaRPr lang="ru-RU" sz="6600" dirty="0"/>
+              <a:t>Проверял ссылку </a:t>
+            </a:r>
+            <a:r>
+              <a:rPr lang="en-US" sz="6600" dirty="0" smtClean="0"/>
+              <a:t>20</a:t>
+            </a:r>
+            <a:r>
+              <a:rPr lang="ru-RU" sz="6600" dirty="0" smtClean="0"/>
+              <a:t>.0</a:t>
+            </a:r>
+            <a:r>
+              <a:rPr lang="en-US" sz="6600" dirty="0" smtClean="0"/>
+              <a:t>3</a:t>
+            </a:r>
+            <a:r>
+              <a:rPr lang="ru-RU" sz="6600" dirty="0" smtClean="0"/>
+              <a:t>.</a:t>
+            </a:r>
+            <a:r>
+              <a:rPr lang="en-US" sz="6600" dirty="0" smtClean="0"/>
+              <a:t>20</a:t>
+            </a:r>
+            <a:endParaRPr lang="en-US" sz="6600" dirty="0" smtClean="0"/>
+          </a:p>
+          <a:p>
+            <a:r>
+              <a:rPr lang="en-US" sz="6600" dirty="0">
+                <a:hlinkClick r:id="rId2"/>
+              </a:rPr>
+              <a:t>https://</a:t>
+            </a:r>
+            <a:r>
+              <a:rPr lang="en-US" sz="6600" dirty="0" smtClean="0">
+                <a:hlinkClick r:id="rId2"/>
+              </a:rPr>
+              <a:t>ideone.com/k2u86f</a:t>
+            </a:r>
+            <a:endParaRPr lang="en-US" sz="6600" dirty="0" smtClean="0"/>
+          </a:p>
+          <a:p>
+            <a:endParaRPr lang="en-US" sz="6600" dirty="0"/>
           </a:p>
         </p:txBody>
       </p:sp>
@@ -13285,11 +13469,7 @@
             </a:pPr>
             <a:r>
               <a:rPr lang="ru-RU" sz="2400" dirty="0" smtClean="0"/>
-              <a:t>Красно-чёрным </a:t>
-            </a:r>
-            <a:r>
-              <a:rPr lang="ru-RU" sz="2400" dirty="0" smtClean="0"/>
-              <a:t>деревом называется Д.Д.П., каждой вершине которого назначен красный или черный цвет так, что выполняются следующие</a:t>
+              <a:t>Красно-чёрным деревом называется Д.Д.П., каждой вершине которого назначен красный или черный цвет так, что выполняются следующие</a:t>
             </a:r>
             <a:r>
               <a:rPr lang="en-US" sz="2400" dirty="0" smtClean="0"/>
@@ -14848,8 +15028,20 @@
               </a:lnSpc>
             </a:pPr>
             <a:r>
-              <a:rPr lang="ru-RU" dirty="0" smtClean="0"/>
-              <a:t>Нужно что-то делать, только если отец проверяемой вершины красный</a:t>
+              <a:rPr lang="ru-RU" sz="2800" dirty="0" smtClean="0"/>
+              <a:t>Нужно </a:t>
+            </a:r>
+            <a:r>
+              <a:rPr lang="ru-RU" sz="2800" dirty="0" smtClean="0"/>
+              <a:t>чинить, </a:t>
+            </a:r>
+            <a:r>
+              <a:rPr lang="ru-RU" sz="2800" dirty="0" smtClean="0"/>
+              <a:t>только если отец проверяемой вершины </a:t>
+            </a:r>
+            <a:r>
+              <a:rPr lang="ru-RU" sz="2800" dirty="0" smtClean="0"/>
+              <a:t>красный</a:t>
             </a:r>
           </a:p>
           <a:p>
@@ -14858,8 +15050,16 @@
                 <a:spcPct val="80000"/>
               </a:lnSpc>
             </a:pPr>
-            <a:r>
-              <a:rPr lang="ru-RU" dirty="0" smtClean="0"/>
+            <a:endParaRPr lang="ru-RU" sz="2800" dirty="0" smtClean="0"/>
+          </a:p>
+          <a:p>
+            <a:pPr marL="525780" indent="-457200">
+              <a:lnSpc>
+                <a:spcPct val="80000"/>
+              </a:lnSpc>
+            </a:pPr>
+            <a:r>
+              <a:rPr lang="ru-RU" sz="2800" dirty="0" smtClean="0"/>
               <a:t>Возможны только 4 случая</a:t>
             </a:r>
           </a:p>
@@ -14874,14 +15074,14 @@
           <p:nvPr>
             <p:extLst>
               <p:ext uri="{D42A27DB-BD31-4B8C-83A1-F6EECF244321}">
-                <p14:modId xmlns:p14="http://schemas.microsoft.com/office/powerpoint/2010/main" val="236919317"/>
+                <p14:modId xmlns:p14="http://schemas.microsoft.com/office/powerpoint/2010/main" val="3731368236"/>
               </p:ext>
             </p:extLst>
           </p:nvPr>
         </p:nvGraphicFramePr>
         <p:xfrm>
-          <a:off x="1271464" y="3140968"/>
-          <a:ext cx="9785717" cy="2651760"/>
+          <a:off x="609600" y="3473161"/>
+          <a:ext cx="10972800" cy="2651760"/>
         </p:xfrm>
         <a:graphic>
           <a:graphicData uri="http://schemas.openxmlformats.org/drawingml/2006/table">
@@ -14890,9 +15090,9 @@
                 <a:tableStyleId>{5C22544A-7EE6-4342-B048-85BDC9FD1C3A}</a:tableStyleId>
               </a:tblPr>
               <a:tblGrid>
-                <a:gridCol w="3830216"/>
-                <a:gridCol w="4032448"/>
-                <a:gridCol w="1923053"/>
+                <a:gridCol w="2460502"/>
+                <a:gridCol w="4256149"/>
+                <a:gridCol w="4256149"/>
               </a:tblGrid>
               <a:tr h="370840">
                 <a:tc>
@@ -14904,6 +15104,21 @@
                       <a:r>
                         <a:rPr lang="ru-RU" sz="2400" dirty="0" smtClean="0"/>
                         <a:t>Цвет отца</a:t>
+                      </a:r>
+                      <a:endParaRPr lang="ru-RU" sz="2400" dirty="0"/>
+                    </a:p>
+                  </a:txBody>
+                  <a:tcPr anchor="ctr"/>
+                </a:tc>
+                <a:tc>
+                  <a:txBody>
+                    <a:bodyPr/>
+                    <a:lstStyle/>
+                    <a:p>
+                      <a:pPr algn="ctr"/>
+                      <a:r>
+                        <a:rPr lang="ru-RU" sz="2400" dirty="0" smtClean="0"/>
+                        <a:t>Цвет дяди</a:t>
                       </a:r>
                       <a:endParaRPr lang="ru-RU" sz="2400" dirty="0"/>
                     </a:p>
@@ -14941,21 +15156,6 @@
                   </a:txBody>
                   <a:tcPr anchor="ctr"/>
                 </a:tc>
-                <a:tc>
-                  <a:txBody>
-                    <a:bodyPr/>
-                    <a:lstStyle/>
-                    <a:p>
-                      <a:pPr algn="ctr"/>
-                      <a:r>
-                        <a:rPr lang="ru-RU" sz="2400" dirty="0" smtClean="0"/>
-                        <a:t>Цвет дяди</a:t>
-                      </a:r>
-                      <a:endParaRPr lang="ru-RU" sz="2400" dirty="0"/>
-                    </a:p>
-                  </a:txBody>
-                  <a:tcPr anchor="ctr"/>
-                </a:tc>
               </a:tr>
               <a:tr h="370840">
                 <a:tc>
@@ -14963,6 +15163,7 @@
                     <a:bodyPr/>
                     <a:lstStyle/>
                     <a:p>
+                      <a:pPr algn="ctr"/>
                       <a:r>
                         <a:rPr lang="ru-RU" sz="2400" dirty="0" smtClean="0"/>
                         <a:t>красный</a:t>
@@ -14977,9 +15178,10 @@
                     <a:bodyPr/>
                     <a:lstStyle/>
                     <a:p>
+                      <a:pPr algn="ctr"/>
                       <a:r>
                         <a:rPr lang="ru-RU" sz="2400" dirty="0" smtClean="0"/>
-                        <a:t>неважно</a:t>
+                        <a:t>нет дяди</a:t>
                       </a:r>
                       <a:endParaRPr lang="ru-RU" sz="2400" dirty="0"/>
                     </a:p>
@@ -14991,9 +15193,10 @@
                     <a:bodyPr/>
                     <a:lstStyle/>
                     <a:p>
+                      <a:pPr algn="ctr"/>
                       <a:r>
                         <a:rPr lang="ru-RU" sz="2400" dirty="0" smtClean="0"/>
-                        <a:t>нет дяди</a:t>
+                        <a:t>неважно</a:t>
                       </a:r>
                       <a:endParaRPr lang="ru-RU" sz="2400" dirty="0"/>
                     </a:p>
@@ -15007,6 +15210,7 @@
                     <a:bodyPr/>
                     <a:lstStyle/>
                     <a:p>
+                      <a:pPr algn="ctr"/>
                       <a:r>
                         <a:rPr lang="ru-RU" sz="2400" dirty="0" smtClean="0"/>
                         <a:t>красный</a:t>
@@ -15021,36 +15225,7 @@
                     <a:bodyPr/>
                     <a:lstStyle/>
                     <a:p>
-                      <a:r>
-                        <a:rPr lang="ru-RU" sz="2400" dirty="0" smtClean="0"/>
-                        <a:t>неважно</a:t>
-                      </a:r>
-                      <a:endParaRPr lang="ru-RU" sz="2400" dirty="0"/>
-                    </a:p>
-                  </a:txBody>
-                  <a:tcPr/>
-                </a:tc>
-                <a:tc>
-                  <a:txBody>
-                    <a:bodyPr/>
-                    <a:lstStyle/>
-                    <a:p>
-                      <a:r>
-                        <a:rPr lang="ru-RU" sz="2400" dirty="0" smtClean="0"/>
-                        <a:t>красный</a:t>
-                      </a:r>
-                      <a:endParaRPr lang="ru-RU" sz="2400" dirty="0"/>
-                    </a:p>
-                  </a:txBody>
-                  <a:tcPr/>
-                </a:tc>
-              </a:tr>
-              <a:tr h="370840">
-                <a:tc>
-                  <a:txBody>
-                    <a:bodyPr/>
-                    <a:lstStyle/>
-                    <a:p>
+                      <a:pPr algn="ctr"/>
                       <a:r>
                         <a:rPr lang="ru-RU" sz="2400" dirty="0" smtClean="0"/>
                         <a:t>красный</a:t>
@@ -15065,23 +15240,10 @@
                     <a:bodyPr/>
                     <a:lstStyle/>
                     <a:p>
+                      <a:pPr algn="ctr"/>
                       <a:r>
                         <a:rPr lang="ru-RU" sz="2400" dirty="0" smtClean="0"/>
-                        <a:t>левым</a:t>
-                      </a:r>
-                      <a:endParaRPr lang="ru-RU" sz="2400" dirty="0"/>
-                    </a:p>
-                  </a:txBody>
-                  <a:tcPr/>
-                </a:tc>
-                <a:tc>
-                  <a:txBody>
-                    <a:bodyPr/>
-                    <a:lstStyle/>
-                    <a:p>
-                      <a:r>
-                        <a:rPr lang="ru-RU" sz="2400" dirty="0" smtClean="0"/>
-                        <a:t>черный</a:t>
+                        <a:t>неважно</a:t>
                       </a:r>
                       <a:endParaRPr lang="ru-RU" sz="2400" dirty="0"/>
                     </a:p>
@@ -15095,6 +15257,7 @@
                     <a:bodyPr/>
                     <a:lstStyle/>
                     <a:p>
+                      <a:pPr algn="ctr"/>
                       <a:r>
                         <a:rPr lang="ru-RU" sz="2400" dirty="0" smtClean="0"/>
                         <a:t>красный</a:t>
@@ -15109,9 +15272,10 @@
                     <a:bodyPr/>
                     <a:lstStyle/>
                     <a:p>
+                      <a:pPr algn="ctr"/>
                       <a:r>
                         <a:rPr lang="ru-RU" sz="2400" dirty="0" smtClean="0"/>
-                        <a:t>правым</a:t>
+                        <a:t>черный</a:t>
                       </a:r>
                       <a:endParaRPr lang="ru-RU" sz="2400" dirty="0"/>
                     </a:p>
@@ -15123,9 +15287,57 @@
                     <a:bodyPr/>
                     <a:lstStyle/>
                     <a:p>
+                      <a:pPr algn="ctr"/>
+                      <a:r>
+                        <a:rPr lang="ru-RU" sz="2400" dirty="0" smtClean="0"/>
+                        <a:t>левым</a:t>
+                      </a:r>
+                      <a:endParaRPr lang="ru-RU" sz="2400" dirty="0"/>
+                    </a:p>
+                  </a:txBody>
+                  <a:tcPr/>
+                </a:tc>
+              </a:tr>
+              <a:tr h="370840">
+                <a:tc>
+                  <a:txBody>
+                    <a:bodyPr/>
+                    <a:lstStyle/>
+                    <a:p>
+                      <a:pPr algn="ctr"/>
+                      <a:r>
+                        <a:rPr lang="ru-RU" sz="2400" dirty="0" smtClean="0"/>
+                        <a:t>красный</a:t>
+                      </a:r>
+                      <a:endParaRPr lang="ru-RU" sz="2400" dirty="0"/>
+                    </a:p>
+                  </a:txBody>
+                  <a:tcPr/>
+                </a:tc>
+                <a:tc>
+                  <a:txBody>
+                    <a:bodyPr/>
+                    <a:lstStyle/>
+                    <a:p>
+                      <a:pPr algn="ctr"/>
                       <a:r>
                         <a:rPr lang="ru-RU" sz="2400" dirty="0" smtClean="0"/>
                         <a:t>черный</a:t>
+                      </a:r>
+                      <a:endParaRPr lang="ru-RU" sz="2400" dirty="0"/>
+                    </a:p>
+                  </a:txBody>
+                  <a:tcPr/>
+                </a:tc>
+                <a:tc>
+                  <a:txBody>
+                    <a:bodyPr/>
+                    <a:lstStyle/>
+                    <a:p>
+                      <a:pPr algn="ctr"/>
+                      <a:r>
+                        <a:rPr lang="ru-RU" sz="2400" dirty="0" smtClean="0"/>
+                        <a:t>правым</a:t>
                       </a:r>
                       <a:endParaRPr lang="ru-RU" sz="2400" dirty="0"/>
                     </a:p>
@@ -22099,7 +22311,23 @@
             </a:pPr>
             <a:r>
               <a:rPr lang="ru-RU" sz="2000" dirty="0"/>
-              <a:t>N(h) = N(h − 1) + N(h − 2) + 1, N(0) = 1, N(1) = 2</a:t>
+              <a:t>N(h) = N(h − 1) + N(h − 2) + 1, </a:t>
+            </a:r>
+            <a:r>
+              <a:rPr lang="ru-RU" sz="2000" dirty="0" smtClean="0"/>
+              <a:t>N(1) </a:t>
+            </a:r>
+            <a:r>
+              <a:rPr lang="ru-RU" sz="2000" dirty="0"/>
+              <a:t>= 1, </a:t>
+            </a:r>
+            <a:r>
+              <a:rPr lang="ru-RU" sz="2000" dirty="0" smtClean="0"/>
+              <a:t>N(2) </a:t>
+            </a:r>
+            <a:r>
+              <a:rPr lang="ru-RU" sz="2000" dirty="0"/>
+              <a:t>= 2</a:t>
             </a:r>
           </a:p>
           <a:p>
@@ -22592,20 +22820,12 @@
           <a:lstStyle/>
           <a:p>
             <a:r>
-              <a:rPr lang="ru-RU" dirty="0"/>
-              <a:t>Связь </a:t>
-            </a:r>
-            <a:r>
-              <a:rPr lang="ru-RU" dirty="0" smtClean="0"/>
-              <a:t>КЧ и </a:t>
-            </a:r>
-            <a:r>
               <a:rPr lang="en-US" dirty="0" smtClean="0"/>
               <a:t>B</a:t>
             </a:r>
             <a:r>
               <a:rPr lang="ru-RU" dirty="0" smtClean="0"/>
-              <a:t> деревьев</a:t>
+              <a:t> дерево степени 2 – это КЧ дерево</a:t>
             </a:r>
             <a:endParaRPr lang="ru-RU" dirty="0"/>
           </a:p>
@@ -22697,16 +22917,12 @@
               <a:t> -- </a:t>
             </a:r>
             <a:r>
-              <a:rPr lang="ru-RU" sz="1800">
+              <a:rPr lang="ru-RU" sz="1800" dirty="0">
                 <a:latin typeface="+mj-lt"/>
                 <a:cs typeface="Times New Roman" pitchFamily="18" charset="0"/>
               </a:rPr>
               <a:t>почему нет вершин с одним потомком?</a:t>
             </a:r>
-            <a:endParaRPr lang="ru-RU" sz="1800" dirty="0">
-              <a:latin typeface="+mj-lt"/>
-              <a:cs typeface="Times New Roman" pitchFamily="18" charset="0"/>
-            </a:endParaRPr>
           </a:p>
           <a:p>
             <a:pPr marL="614934" lvl="1">
@@ -23221,8 +23437,9 @@
             <a:pPr lvl="1"/>
             <a:r>
               <a:rPr lang="ru-RU" dirty="0" smtClean="0"/>
-              <a:t>Вставка и удаление вершины</a:t>
-            </a:r>
+              <a:t>Поиск и вставка вершины</a:t>
+            </a:r>
+            <a:endParaRPr lang="ru-RU" dirty="0" smtClean="0"/>
           </a:p>
           <a:p>
             <a:r>
@@ -29776,16 +29993,10 @@
           <a:p>
             <a:pPr lvl="1"/>
             <a:r>
-              <a:rPr lang="ru-RU" dirty="0">
-                <a:latin typeface="+mj-lt"/>
-              </a:rPr>
-              <a:t>Все листья находятся на одной </a:t>
-            </a:r>
-            <a:r>
               <a:rPr lang="ru-RU" dirty="0" smtClean="0">
                 <a:latin typeface="+mj-lt"/>
               </a:rPr>
-              <a:t>глубине</a:t>
+              <a:t>Все листья находятся на одной глубине</a:t>
             </a:r>
             <a:endParaRPr lang="en-US" dirty="0" smtClean="0">
               <a:latin typeface="+mj-lt"/>
@@ -29797,86 +30008,59 @@
               <a:rPr lang="ru-RU" dirty="0" smtClean="0">
                 <a:latin typeface="+mj-lt"/>
               </a:rPr>
-              <a:t>Корень имеет от 2 до 2*t </a:t>
-            </a:r>
-            <a:r>
-              <a:rPr lang="ru-RU" dirty="0">
-                <a:latin typeface="+mj-lt"/>
-              </a:rPr>
-              <a:t>потомков и </a:t>
+              <a:t>Ключи </a:t>
             </a:r>
             <a:r>
               <a:rPr lang="ru-RU" dirty="0" smtClean="0">
                 <a:latin typeface="+mj-lt"/>
               </a:rPr>
-              <a:t>хранит от </a:t>
-            </a:r>
-            <a:r>
-              <a:rPr lang="ru-RU" dirty="0">
-                <a:latin typeface="+mj-lt"/>
-              </a:rPr>
-              <a:t>1 до 2*t-1 ключей</a:t>
-            </a:r>
-          </a:p>
-          <a:p>
-            <a:pPr lvl="1"/>
+              <a:t>внутренней </a:t>
+            </a:r>
             <a:r>
               <a:rPr lang="ru-RU" dirty="0" smtClean="0">
                 <a:latin typeface="+mj-lt"/>
               </a:rPr>
-              <a:t>Остальные внутренние вершины имеют от t </a:t>
-            </a:r>
-            <a:r>
-              <a:rPr lang="ru-RU" dirty="0">
-                <a:latin typeface="+mj-lt"/>
-              </a:rPr>
-              <a:t>до 2*t потомков и </a:t>
-            </a:r>
+              <a:t>вершины разделяют ключи в её поддеревьях</a:t>
+            </a:r>
+          </a:p>
+          <a:p>
+            <a:pPr lvl="2"/>
             <a:r>
               <a:rPr lang="ru-RU" dirty="0" smtClean="0">
                 <a:latin typeface="+mj-lt"/>
               </a:rPr>
-              <a:t>хранят от </a:t>
-            </a:r>
-            <a:r>
-              <a:rPr lang="ru-RU" dirty="0">
-                <a:latin typeface="+mj-lt"/>
-              </a:rPr>
-              <a:t>t-1 до 2*t-1 ключей</a:t>
-            </a:r>
-          </a:p>
-          <a:p>
-            <a:pPr lvl="1"/>
-            <a:r>
-              <a:rPr lang="ru-RU" dirty="0">
-                <a:latin typeface="+mj-lt"/>
-              </a:rPr>
-              <a:t>К</a:t>
-            </a:r>
+              <a:t>На множестве ключей задан линейный порядок</a:t>
+            </a:r>
+          </a:p>
+          <a:p>
+            <a:pPr lvl="2"/>
             <a:r>
               <a:rPr lang="ru-RU" dirty="0" smtClean="0">
                 <a:latin typeface="+mj-lt"/>
               </a:rPr>
-              <a:t>лючи вершины разделяют ключи в её поддеревьях</a:t>
-            </a:r>
-          </a:p>
-          <a:p>
-            <a:pPr lvl="2"/>
-            <a:r>
-              <a:rPr lang="ru-RU" dirty="0">
-                <a:latin typeface="+mj-lt"/>
-              </a:rPr>
-              <a:t>На множестве ключей задан линейный </a:t>
-            </a:r>
+              <a:t>Ключей на 1 меньше, чем поддеревьев</a:t>
+            </a:r>
+            <a:endParaRPr lang="ru-RU" dirty="0" smtClean="0">
+              <a:latin typeface="+mj-lt"/>
+            </a:endParaRPr>
+          </a:p>
+          <a:p>
+            <a:pPr lvl="1"/>
             <a:r>
               <a:rPr lang="ru-RU" dirty="0" smtClean="0">
                 <a:latin typeface="+mj-lt"/>
               </a:rPr>
-              <a:t>порядок</a:t>
-            </a:r>
-            <a:endParaRPr lang="ru-RU" dirty="0">
-              <a:latin typeface="+mj-lt"/>
-            </a:endParaRPr>
+              <a:t>Внутренние вершины, кроме корня, имеют от t до 2*t потомков</a:t>
+            </a:r>
+          </a:p>
+          <a:p>
+            <a:pPr lvl="1"/>
+            <a:r>
+              <a:rPr lang="ru-RU" dirty="0" smtClean="0">
+                <a:latin typeface="+mj-lt"/>
+              </a:rPr>
+              <a:t>Корень имеет от 2 до 2*t потомков</a:t>
+            </a:r>
           </a:p>
           <a:p>
             <a:endParaRPr lang="en-US" dirty="0" smtClean="0"/>
@@ -29909,7 +30093,15 @@
             </a:r>
             <a:r>
               <a:rPr lang="ru-RU" dirty="0"/>
-              <a:t>называется полной, если у  неё 2</a:t>
+              <a:t>называется полной, если </a:t>
+            </a:r>
+            <a:r>
+              <a:rPr lang="ru-RU" dirty="0" smtClean="0"/>
+              <a:t>у </a:t>
+            </a:r>
+            <a:r>
+              <a:rPr lang="ru-RU" dirty="0"/>
+              <a:t>неё 2</a:t>
             </a:r>
             <a:r>
               <a:rPr lang="en-US" dirty="0"/>
@@ -37941,22 +38133,38 @@
             </a:r>
             <a:r>
               <a:rPr lang="ru-RU" dirty="0"/>
-              <a:t> дерева высоты </a:t>
+              <a:t> дерева </a:t>
+            </a:r>
+            <a:r>
+              <a:rPr lang="ru-RU" dirty="0" smtClean="0"/>
+              <a:t>степени </a:t>
             </a:r>
             <a:r>
               <a:rPr lang="en-US" dirty="0"/>
-              <a:t>h </a:t>
-            </a:r>
-            <a:r>
-              <a:rPr lang="ru-RU" dirty="0"/>
-              <a:t>и минимальной степени </a:t>
-            </a:r>
-            <a:r>
-              <a:rPr lang="en-US" dirty="0"/>
-              <a:t>t ≥ 2, </a:t>
-            </a:r>
-            <a:r>
-              <a:rPr lang="ru-RU" dirty="0"/>
+              <a:t>t ≥ </a:t>
+            </a:r>
+            <a:r>
+              <a:rPr lang="en-US" dirty="0" smtClean="0"/>
+              <a:t>2</a:t>
+            </a:r>
+            <a:r>
+              <a:rPr lang="en-US" dirty="0" smtClean="0"/>
+              <a:t>, </a:t>
+            </a:r>
+            <a:r>
+              <a:rPr lang="ru-RU" dirty="0" smtClean="0"/>
+              <a:t>имеющего высоту </a:t>
+            </a:r>
+            <a:r>
+              <a:rPr lang="en-US" dirty="0" smtClean="0"/>
+              <a:t>h</a:t>
+            </a:r>
+            <a:r>
+              <a:rPr lang="ru-RU" dirty="0" smtClean="0"/>
+              <a:t> и </a:t>
+            </a:r>
+            <a:r>
+              <a:rPr lang="ru-RU" dirty="0" smtClean="0"/>
               <a:t>хранящего </a:t>
             </a:r>
             <a:r>
@@ -38002,20 +38210,28 @@
               <a:t>примерно в </a:t>
             </a:r>
             <a:r>
-              <a:rPr lang="en-US" dirty="0"/>
+              <a:rPr lang="en-US" dirty="0" smtClean="0"/>
               <a:t>log</a:t>
             </a:r>
             <a:r>
+              <a:rPr lang="ru-RU" baseline="-25000" dirty="0" smtClean="0"/>
+              <a:t>2</a:t>
+            </a:r>
+            <a:r>
+              <a:rPr lang="ru-RU" dirty="0" smtClean="0"/>
+              <a:t>(</a:t>
+            </a:r>
+            <a:r>
+              <a:rPr lang="en-US" dirty="0" smtClean="0"/>
+              <a:t>t</a:t>
+            </a:r>
+            <a:r>
+              <a:rPr lang="ru-RU" dirty="0" smtClean="0"/>
+              <a:t>) </a:t>
+            </a:r>
+            <a:r>
               <a:rPr lang="ru-RU" dirty="0"/>
-              <a:t> </a:t>
-            </a:r>
-            <a:r>
-              <a:rPr lang="en-US" dirty="0"/>
-              <a:t>t</a:t>
-            </a:r>
-            <a:r>
-              <a:rPr lang="ru-RU" dirty="0"/>
-              <a:t> раз </a:t>
+              <a:t>раз </a:t>
             </a:r>
             <a:r>
               <a:rPr lang="ru-RU" dirty="0" smtClean="0"/>
@@ -38047,7 +38263,7 @@
           <a:graphicData uri="http://schemas.openxmlformats.org/presentationml/2006/ole">
             <mc:AlternateContent xmlns:mc="http://schemas.openxmlformats.org/markup-compatibility/2006">
               <mc:Choice xmlns:v="urn:schemas-microsoft-com:vml" Requires="v">
-                <p:oleObj spid="_x0000_s133236" name="Equation" r:id="rId4" imgW="863280" imgH="393480" progId="">
+                <p:oleObj spid="_x0000_s133251" name="Equation" r:id="rId4" imgW="863280" imgH="393480" progId="">
                   <p:embed/>
                 </p:oleObj>
               </mc:Choice>
@@ -38213,219 +38429,204 @@
               <a:rPr lang="ru-RU" dirty="0" smtClean="0">
                 <a:cs typeface="Times New Roman" pitchFamily="18" charset="0"/>
               </a:rPr>
-              <a:t>Если Д пусто, то не нашли</a:t>
-            </a:r>
-          </a:p>
-          <a:p>
+              <a:t>Если Д пусто, то </a:t>
+            </a:r>
             <a:r>
               <a:rPr lang="ru-RU" dirty="0" smtClean="0">
                 <a:cs typeface="Times New Roman" pitchFamily="18" charset="0"/>
               </a:rPr>
-              <a:t>Иначе корень Д имеет поддеревья Д</a:t>
-            </a:r>
-            <a:r>
-              <a:rPr lang="en-US" dirty="0" smtClean="0">
-                <a:cs typeface="Times New Roman" pitchFamily="18" charset="0"/>
-              </a:rPr>
-              <a:t>[1], …, </a:t>
-            </a:r>
-            <a:r>
-              <a:rPr lang="ru-RU" dirty="0" smtClean="0">
-                <a:cs typeface="Times New Roman" pitchFamily="18" charset="0"/>
-              </a:rPr>
-              <a:t>Д</a:t>
-            </a:r>
-            <a:r>
-              <a:rPr lang="en-US" dirty="0" smtClean="0">
-                <a:cs typeface="Times New Roman" pitchFamily="18" charset="0"/>
-              </a:rPr>
-              <a:t>[n+1] </a:t>
-            </a:r>
-            <a:r>
-              <a:rPr lang="ru-RU" dirty="0" smtClean="0">
-                <a:cs typeface="Times New Roman" pitchFamily="18" charset="0"/>
-              </a:rPr>
-              <a:t>и хранит ключи К</a:t>
-            </a:r>
-            <a:r>
-              <a:rPr lang="en-US" dirty="0" smtClean="0">
-                <a:cs typeface="Times New Roman" pitchFamily="18" charset="0"/>
-              </a:rPr>
-              <a:t>[</a:t>
-            </a:r>
-            <a:r>
-              <a:rPr lang="ru-RU" dirty="0" smtClean="0">
-                <a:cs typeface="Times New Roman" pitchFamily="18" charset="0"/>
-              </a:rPr>
-              <a:t>1</a:t>
-            </a:r>
-            <a:r>
-              <a:rPr lang="en-US" dirty="0" smtClean="0">
-                <a:cs typeface="Times New Roman" pitchFamily="18" charset="0"/>
-              </a:rPr>
-              <a:t>]</a:t>
-            </a:r>
-            <a:r>
-              <a:rPr lang="ru-RU" dirty="0" smtClean="0">
-                <a:cs typeface="Times New Roman" pitchFamily="18" charset="0"/>
-              </a:rPr>
-              <a:t> </a:t>
-            </a:r>
-            <a:r>
-              <a:rPr lang="en-US" dirty="0" smtClean="0">
-                <a:cs typeface="Times New Roman" pitchFamily="18" charset="0"/>
-              </a:rPr>
-              <a:t>… K[n]</a:t>
+              <a:t>К в Д нет</a:t>
             </a:r>
             <a:endParaRPr lang="ru-RU" dirty="0" smtClean="0">
               <a:cs typeface="Times New Roman" pitchFamily="18" charset="0"/>
             </a:endParaRPr>
           </a:p>
           <a:p>
-            <a:pPr lvl="1"/>
             <a:r>
               <a:rPr lang="ru-RU" dirty="0" smtClean="0">
                 <a:cs typeface="Times New Roman" pitchFamily="18" charset="0"/>
               </a:rPr>
-              <a:t>Считаем, что </a:t>
+              <a:t>Иначе корень Д имеет поддеревья Д</a:t>
             </a:r>
             <a:r>
               <a:rPr lang="en-US" dirty="0" smtClean="0">
                 <a:cs typeface="Times New Roman" pitchFamily="18" charset="0"/>
               </a:rPr>
-              <a:t>K[0] = -∞</a:t>
+              <a:t>[1], …, </a:t>
             </a:r>
             <a:r>
               <a:rPr lang="ru-RU" dirty="0" smtClean="0">
                 <a:cs typeface="Times New Roman" pitchFamily="18" charset="0"/>
               </a:rPr>
-              <a:t> и </a:t>
+              <a:t>Д</a:t>
             </a:r>
             <a:r>
               <a:rPr lang="en-US" dirty="0" smtClean="0">
                 <a:cs typeface="Times New Roman" pitchFamily="18" charset="0"/>
               </a:rPr>
-              <a:t>K[n+1] = ∞</a:t>
+              <a:t>[n+1] </a:t>
+            </a:r>
+            <a:r>
+              <a:rPr lang="ru-RU" dirty="0" smtClean="0">
+                <a:cs typeface="Times New Roman" pitchFamily="18" charset="0"/>
+              </a:rPr>
+              <a:t>и хранит ключи К</a:t>
+            </a:r>
+            <a:r>
+              <a:rPr lang="en-US" dirty="0" smtClean="0">
+                <a:cs typeface="Times New Roman" pitchFamily="18" charset="0"/>
+              </a:rPr>
+              <a:t>[</a:t>
+            </a:r>
+            <a:r>
+              <a:rPr lang="ru-RU" dirty="0" smtClean="0">
+                <a:cs typeface="Times New Roman" pitchFamily="18" charset="0"/>
+              </a:rPr>
+              <a:t>1</a:t>
+            </a:r>
+            <a:r>
+              <a:rPr lang="en-US" dirty="0" smtClean="0">
+                <a:cs typeface="Times New Roman" pitchFamily="18" charset="0"/>
+              </a:rPr>
+              <a:t>]</a:t>
+            </a:r>
+            <a:r>
+              <a:rPr lang="ru-RU" dirty="0" smtClean="0">
+                <a:cs typeface="Times New Roman" pitchFamily="18" charset="0"/>
+              </a:rPr>
+              <a:t> </a:t>
+            </a:r>
+            <a:r>
+              <a:rPr lang="en-US" dirty="0" smtClean="0">
+                <a:cs typeface="Times New Roman" pitchFamily="18" charset="0"/>
+              </a:rPr>
+              <a:t>… K[n]</a:t>
+            </a:r>
+            <a:endParaRPr lang="ru-RU" dirty="0" smtClean="0">
+              <a:cs typeface="Times New Roman" pitchFamily="18" charset="0"/>
+            </a:endParaRPr>
+          </a:p>
+          <a:p>
+            <a:r>
+              <a:rPr lang="ru-RU" dirty="0" smtClean="0">
+                <a:cs typeface="Times New Roman" pitchFamily="18" charset="0"/>
+              </a:rPr>
+              <a:t>Если </a:t>
+            </a:r>
+            <a:r>
+              <a:rPr lang="en-US" dirty="0" smtClean="0">
+                <a:cs typeface="Times New Roman" pitchFamily="18" charset="0"/>
+              </a:rPr>
+              <a:t>K = K[c]</a:t>
+            </a:r>
+            <a:r>
+              <a:rPr lang="ru-RU" dirty="0" smtClean="0">
+                <a:cs typeface="Times New Roman" pitchFamily="18" charset="0"/>
+              </a:rPr>
+              <a:t> для некоторого </a:t>
+            </a:r>
+            <a:r>
+              <a:rPr lang="en-US" dirty="0" smtClean="0">
+                <a:cs typeface="Times New Roman" pitchFamily="18" charset="0"/>
+              </a:rPr>
+              <a:t>c</a:t>
+            </a:r>
+            <a:r>
+              <a:rPr lang="ru-RU" dirty="0" smtClean="0">
+                <a:cs typeface="Times New Roman" pitchFamily="18" charset="0"/>
+              </a:rPr>
+              <a:t>, то </a:t>
+            </a:r>
+            <a:r>
+              <a:rPr lang="ru-RU" dirty="0" smtClean="0">
+                <a:cs typeface="Times New Roman" pitchFamily="18" charset="0"/>
+              </a:rPr>
+              <a:t>нашли К</a:t>
+            </a:r>
+            <a:endParaRPr lang="ru-RU" dirty="0" smtClean="0">
+              <a:cs typeface="Times New Roman" pitchFamily="18" charset="0"/>
+            </a:endParaRPr>
+          </a:p>
+          <a:p>
+            <a:r>
+              <a:rPr lang="ru-RU" dirty="0" smtClean="0">
+                <a:cs typeface="Times New Roman" pitchFamily="18" charset="0"/>
+              </a:rPr>
+              <a:t>Иначе </a:t>
+            </a:r>
+            <a:r>
+              <a:rPr lang="ru-RU" dirty="0" smtClean="0">
+                <a:cs typeface="Times New Roman" pitchFamily="18" charset="0"/>
+              </a:rPr>
+              <a:t>ищем К в Д</a:t>
+            </a:r>
+            <a:r>
+              <a:rPr lang="en-US" dirty="0" smtClean="0">
+                <a:cs typeface="Times New Roman" pitchFamily="18" charset="0"/>
+              </a:rPr>
+              <a:t>[c], </a:t>
+            </a:r>
+            <a:r>
+              <a:rPr lang="ru-RU" dirty="0" err="1" smtClean="0">
+                <a:cs typeface="Times New Roman" pitchFamily="18" charset="0"/>
+              </a:rPr>
+              <a:t>т.ч</a:t>
+            </a:r>
+            <a:r>
+              <a:rPr lang="ru-RU" dirty="0" smtClean="0">
+                <a:cs typeface="Times New Roman" pitchFamily="18" charset="0"/>
+              </a:rPr>
+              <a:t>. </a:t>
+            </a:r>
+            <a:r>
+              <a:rPr lang="en-US" dirty="0" smtClean="0">
+                <a:cs typeface="Times New Roman" pitchFamily="18" charset="0"/>
+              </a:rPr>
+              <a:t>K[c-1</a:t>
+            </a:r>
+            <a:r>
+              <a:rPr lang="en-US" dirty="0">
+                <a:cs typeface="Times New Roman" pitchFamily="18" charset="0"/>
+              </a:rPr>
+              <a:t>] </a:t>
+            </a:r>
+            <a:r>
+              <a:rPr lang="en-US" dirty="0" smtClean="0">
+                <a:cs typeface="Times New Roman" pitchFamily="18" charset="0"/>
+              </a:rPr>
+              <a:t>&lt; </a:t>
+            </a:r>
+            <a:r>
+              <a:rPr lang="ru-RU" dirty="0" smtClean="0">
+                <a:cs typeface="Times New Roman" pitchFamily="18" charset="0"/>
+              </a:rPr>
+              <a:t>К </a:t>
+            </a:r>
+            <a:r>
+              <a:rPr lang="en-US" dirty="0" smtClean="0">
+                <a:cs typeface="Times New Roman" pitchFamily="18" charset="0"/>
+              </a:rPr>
+              <a:t>&lt; K[c]</a:t>
+            </a:r>
+          </a:p>
+          <a:p>
+            <a:pPr lvl="1"/>
+            <a:r>
+              <a:rPr lang="ru-RU" dirty="0" smtClean="0">
+                <a:cs typeface="Times New Roman" pitchFamily="18" charset="0"/>
+              </a:rPr>
+              <a:t>Считаем, что </a:t>
+            </a:r>
+            <a:r>
+              <a:rPr lang="en-US" dirty="0" smtClean="0">
+                <a:cs typeface="Times New Roman" pitchFamily="18" charset="0"/>
+              </a:rPr>
+              <a:t>K[0] = -∞</a:t>
             </a:r>
             <a:endParaRPr lang="ru-RU" dirty="0" smtClean="0">
               <a:solidFill>
                 <a:srgbClr val="FF0000"/>
               </a:solidFill>
-            </a:endParaRPr>
-          </a:p>
-          <a:p>
-            <a:r>
-              <a:rPr lang="ru-RU" dirty="0" smtClean="0">
-                <a:cs typeface="Times New Roman" pitchFamily="18" charset="0"/>
-              </a:rPr>
-              <a:t>Если </a:t>
-            </a:r>
-            <a:r>
-              <a:rPr lang="en-US" dirty="0" smtClean="0">
-                <a:cs typeface="Times New Roman" pitchFamily="18" charset="0"/>
-              </a:rPr>
-              <a:t>K = </a:t>
-            </a:r>
-            <a:r>
-              <a:rPr lang="en-US" dirty="0" smtClean="0">
-                <a:cs typeface="Times New Roman" pitchFamily="18" charset="0"/>
-              </a:rPr>
-              <a:t>K[c]</a:t>
-            </a:r>
-            <a:r>
-              <a:rPr lang="ru-RU" dirty="0" smtClean="0">
-                <a:cs typeface="Times New Roman" pitchFamily="18" charset="0"/>
-              </a:rPr>
-              <a:t> для некоторого </a:t>
-            </a:r>
-            <a:r>
-              <a:rPr lang="en-US" dirty="0" smtClean="0">
-                <a:cs typeface="Times New Roman" pitchFamily="18" charset="0"/>
-              </a:rPr>
-              <a:t>c</a:t>
-            </a:r>
-            <a:r>
-              <a:rPr lang="ru-RU" dirty="0" smtClean="0">
-                <a:cs typeface="Times New Roman" pitchFamily="18" charset="0"/>
-              </a:rPr>
-              <a:t>, </a:t>
-            </a:r>
-            <a:r>
-              <a:rPr lang="ru-RU" dirty="0" smtClean="0">
-                <a:cs typeface="Times New Roman" pitchFamily="18" charset="0"/>
-              </a:rPr>
-              <a:t>то нашли</a:t>
-            </a:r>
-          </a:p>
-          <a:p>
-            <a:r>
-              <a:rPr lang="ru-RU" dirty="0" smtClean="0">
-                <a:cs typeface="Times New Roman" pitchFamily="18" charset="0"/>
-              </a:rPr>
-              <a:t>Иначе </a:t>
-            </a:r>
-            <a:r>
-              <a:rPr lang="ru-RU" dirty="0" smtClean="0">
-                <a:cs typeface="Times New Roman" pitchFamily="18" charset="0"/>
-              </a:rPr>
-              <a:t>ищем К в Д</a:t>
-            </a:r>
-            <a:r>
-              <a:rPr lang="en-US" dirty="0" smtClean="0">
-                <a:cs typeface="Times New Roman" pitchFamily="18" charset="0"/>
-              </a:rPr>
-              <a:t>[c], </a:t>
-            </a:r>
-            <a:r>
-              <a:rPr lang="ru-RU" dirty="0" err="1" smtClean="0">
-                <a:cs typeface="Times New Roman" pitchFamily="18" charset="0"/>
-              </a:rPr>
-              <a:t>т.ч</a:t>
-            </a:r>
-            <a:r>
-              <a:rPr lang="ru-RU" dirty="0" smtClean="0">
-                <a:cs typeface="Times New Roman" pitchFamily="18" charset="0"/>
-              </a:rPr>
-              <a:t>. </a:t>
-            </a:r>
-            <a:r>
-              <a:rPr lang="en-US" dirty="0" smtClean="0">
-                <a:cs typeface="Times New Roman" pitchFamily="18" charset="0"/>
-              </a:rPr>
-              <a:t>K[c-1</a:t>
-            </a:r>
-            <a:r>
-              <a:rPr lang="en-US" dirty="0">
-                <a:cs typeface="Times New Roman" pitchFamily="18" charset="0"/>
-              </a:rPr>
-              <a:t>] </a:t>
-            </a:r>
-            <a:r>
-              <a:rPr lang="en-US" dirty="0" smtClean="0">
-                <a:cs typeface="Times New Roman" pitchFamily="18" charset="0"/>
-              </a:rPr>
-              <a:t>&lt; </a:t>
-            </a:r>
-            <a:r>
-              <a:rPr lang="ru-RU" dirty="0" smtClean="0">
-                <a:cs typeface="Times New Roman" pitchFamily="18" charset="0"/>
-              </a:rPr>
-              <a:t>К </a:t>
-            </a:r>
-            <a:r>
-              <a:rPr lang="en-US" dirty="0" smtClean="0">
-                <a:cs typeface="Times New Roman" pitchFamily="18" charset="0"/>
-              </a:rPr>
-              <a:t>&lt; </a:t>
-            </a:r>
-            <a:r>
-              <a:rPr lang="en-US" dirty="0" smtClean="0">
-                <a:cs typeface="Times New Roman" pitchFamily="18" charset="0"/>
-              </a:rPr>
-              <a:t>K[c]</a:t>
-            </a:r>
-            <a:endParaRPr lang="en-US" dirty="0" smtClean="0">
-              <a:cs typeface="Times New Roman" pitchFamily="18" charset="0"/>
             </a:endParaRPr>
           </a:p>
         </p:txBody>
